--- a/deep-dive/20230628-css/css/01-intro-to-css/intro-to-css.pptx
+++ b/deep-dive/20230628-css/css/01-intro-to-css/intro-to-css.pptx
@@ -15,10 +15,10 @@
     <p:sldId id="279" r:id="rId6"/>
     <p:sldId id="280" r:id="rId7"/>
     <p:sldId id="281" r:id="rId8"/>
-    <p:sldId id="282" r:id="rId9"/>
-    <p:sldId id="289" r:id="rId10"/>
-    <p:sldId id="284" r:id="rId11"/>
-    <p:sldId id="285" r:id="rId12"/>
+    <p:sldId id="289" r:id="rId9"/>
+    <p:sldId id="284" r:id="rId10"/>
+    <p:sldId id="285" r:id="rId11"/>
+    <p:sldId id="282" r:id="rId12"/>
     <p:sldId id="286" r:id="rId13"/>
     <p:sldId id="288" r:id="rId14"/>
     <p:sldId id="287" r:id="rId15"/>
@@ -4793,7 +4793,7 @@
               <a:rPr lang="en-CA" sz="3500">
                 <a:latin typeface="Proxima Nova Bl" panose="02000506030000020004" pitchFamily="50" charset="0"/>
               </a:rPr>
-              <a:t>SELECTOR – JOINING SELECTORS</a:t>
+              <a:t>SELECTOR – SHARING STYLES</a:t>
             </a:r>
           </a:p>
         </p:txBody>
@@ -4868,130 +4868,178 @@
           <a:lstStyle/>
           <a:p>
             <a:r>
-              <a:rPr lang="en-US" sz="1100"/>
+              <a:rPr lang="en-US" sz="1100" dirty="0"/>
               <a:t>&lt;!DOCTYPE html&gt;</a:t>
             </a:r>
           </a:p>
           <a:p>
             <a:r>
-              <a:rPr lang="en-US" sz="1100"/>
+              <a:rPr lang="en-US" sz="1100" dirty="0"/>
               <a:t>&lt;html&gt;</a:t>
             </a:r>
           </a:p>
           <a:p>
             <a:r>
-              <a:rPr lang="en-US" sz="1100"/>
+              <a:rPr lang="en-US" sz="1100" dirty="0"/>
               <a:t>  &lt;head&gt;</a:t>
             </a:r>
           </a:p>
           <a:p>
             <a:r>
-              <a:rPr lang="en-US" sz="1100"/>
-              <a:t>    &lt;link href="my-style.css" rel="stylesheet" /&gt;</a:t>
-            </a:r>
-          </a:p>
-          <a:p>
-            <a:r>
-              <a:rPr lang="en-US" sz="1100"/>
+              <a:rPr lang="en-US" sz="1100" dirty="0"/>
+              <a:t>    &lt;link </a:t>
+            </a:r>
+            <a:r>
+              <a:rPr lang="en-US" sz="1100" dirty="0" err="1"/>
+              <a:t>href</a:t>
+            </a:r>
+            <a:r>
+              <a:rPr lang="en-US" sz="1100" dirty="0"/>
+              <a:t>="my-style.css" </a:t>
+            </a:r>
+            <a:r>
+              <a:rPr lang="en-US" sz="1100" dirty="0" err="1"/>
+              <a:t>rel</a:t>
+            </a:r>
+            <a:r>
+              <a:rPr lang="en-US" sz="1100" dirty="0"/>
+              <a:t>="stylesheet" /&gt;</a:t>
+            </a:r>
+          </a:p>
+          <a:p>
+            <a:r>
+              <a:rPr lang="en-US" sz="1100" dirty="0"/>
               <a:t>  &lt;/head&gt;</a:t>
             </a:r>
           </a:p>
           <a:p>
             <a:r>
-              <a:rPr lang="en-US" sz="1100"/>
+              <a:rPr lang="en-US" sz="1100" dirty="0"/>
               <a:t>  &lt;body&gt;</a:t>
             </a:r>
           </a:p>
           <a:p>
             <a:r>
-              <a:rPr lang="en-US" sz="1100"/>
+              <a:rPr lang="en-US" sz="1100" dirty="0"/>
               <a:t>    &lt;h1&gt;Hello World&lt;/h1&gt;</a:t>
             </a:r>
           </a:p>
           <a:p>
             <a:r>
-              <a:rPr lang="en-US" sz="1100"/>
+              <a:rPr lang="en-US" sz="1100" dirty="0"/>
               <a:t>    &lt;p&gt;Take these with you on vacation:&lt;/p&gt;</a:t>
             </a:r>
           </a:p>
           <a:p>
             <a:r>
-              <a:rPr lang="en-US" sz="1100"/>
-              <a:t>    &lt;ul id="belongings"&gt;</a:t>
-            </a:r>
-          </a:p>
-          <a:p>
-            <a:r>
-              <a:rPr lang="en-US" sz="1100"/>
+              <a:rPr lang="en-US" sz="1100" dirty="0"/>
+              <a:t>    &lt;</a:t>
+            </a:r>
+            <a:r>
+              <a:rPr lang="en-US" sz="1100" dirty="0" err="1"/>
+              <a:t>ul</a:t>
+            </a:r>
+            <a:r>
+              <a:rPr lang="en-US" sz="1100" dirty="0"/>
+              <a:t> id="belongings"&gt;</a:t>
+            </a:r>
+          </a:p>
+          <a:p>
+            <a:r>
+              <a:rPr lang="en-US" sz="1100" dirty="0"/>
               <a:t>      &lt;li class="high-priority" data-note="Expires 2020-01-01"&gt;Passport&lt;/li&gt;</a:t>
             </a:r>
           </a:p>
           <a:p>
             <a:r>
-              <a:rPr lang="en-US" sz="1100"/>
+              <a:rPr lang="en-US" sz="1100" dirty="0"/>
               <a:t>      &lt;li class="high-priority"&gt;Cash&lt;/li&gt;</a:t>
             </a:r>
           </a:p>
           <a:p>
             <a:r>
-              <a:rPr lang="en-US" sz="1100"/>
+              <a:rPr lang="en-US" sz="1100" dirty="0"/>
               <a:t>      &lt;li&gt;Clothes&lt;/li&gt;</a:t>
             </a:r>
           </a:p>
           <a:p>
             <a:r>
-              <a:rPr lang="en-US" sz="1100"/>
-              <a:t>    &lt;/ul&gt;</a:t>
-            </a:r>
-          </a:p>
-          <a:p>
-            <a:r>
-              <a:rPr lang="en-US" sz="1100"/>
+              <a:rPr lang="en-US" sz="1100" dirty="0"/>
+              <a:t>    &lt;/</a:t>
+            </a:r>
+            <a:r>
+              <a:rPr lang="en-US" sz="1100" dirty="0" err="1"/>
+              <a:t>ul</a:t>
+            </a:r>
+            <a:r>
+              <a:rPr lang="en-US" sz="1100" dirty="0"/>
+              <a:t>&gt;</a:t>
+            </a:r>
+          </a:p>
+          <a:p>
+            <a:r>
+              <a:rPr lang="en-US" sz="1100" dirty="0"/>
               <a:t>    &lt;p&gt;Remember to:&lt;/p&gt;</a:t>
             </a:r>
           </a:p>
           <a:p>
             <a:r>
-              <a:rPr lang="en-US" sz="1100"/>
-              <a:t>    &lt;ol id="remember-to"&gt;</a:t>
-            </a:r>
-          </a:p>
-          <a:p>
-            <a:r>
-              <a:rPr lang="en-US" sz="1100"/>
+              <a:rPr lang="en-US" sz="1100" dirty="0"/>
+              <a:t>    &lt;</a:t>
+            </a:r>
+            <a:r>
+              <a:rPr lang="en-US" sz="1100" dirty="0" err="1"/>
+              <a:t>ol</a:t>
+            </a:r>
+            <a:r>
+              <a:rPr lang="en-US" sz="1100" dirty="0"/>
+              <a:t> id="remember-to"&gt;</a:t>
+            </a:r>
+          </a:p>
+          <a:p>
+            <a:r>
+              <a:rPr lang="en-US" sz="1100" dirty="0"/>
               <a:t>      &lt;li&gt;Notify family of departure.&lt;/li&gt;</a:t>
             </a:r>
           </a:p>
           <a:p>
             <a:r>
-              <a:rPr lang="en-US" sz="1100"/>
+              <a:rPr lang="en-US" sz="1100" dirty="0"/>
               <a:t>      &lt;li&gt;Lock the house door.&lt;/li&gt;</a:t>
             </a:r>
           </a:p>
           <a:p>
             <a:r>
-              <a:rPr lang="en-US" sz="1100"/>
+              <a:rPr lang="en-US" sz="1100" dirty="0"/>
               <a:t>      &lt;li&gt;Call taxi.&lt;/li&gt;</a:t>
             </a:r>
           </a:p>
           <a:p>
             <a:r>
-              <a:rPr lang="en-US" sz="1100"/>
-              <a:t>    &lt;/ol&gt;</a:t>
-            </a:r>
-          </a:p>
-          <a:p>
-            <a:r>
-              <a:rPr lang="en-US" sz="1100"/>
+              <a:rPr lang="en-US" sz="1100" dirty="0"/>
+              <a:t>    &lt;/</a:t>
+            </a:r>
+            <a:r>
+              <a:rPr lang="en-US" sz="1100" dirty="0" err="1"/>
+              <a:t>ol</a:t>
+            </a:r>
+            <a:r>
+              <a:rPr lang="en-US" sz="1100" dirty="0"/>
+              <a:t>&gt;</a:t>
+            </a:r>
+          </a:p>
+          <a:p>
+            <a:r>
+              <a:rPr lang="en-US" sz="1100" dirty="0"/>
               <a:t>  &lt;/body&gt;</a:t>
             </a:r>
           </a:p>
           <a:p>
             <a:r>
-              <a:rPr lang="en-US" sz="1100"/>
+              <a:rPr lang="en-US" sz="1100" dirty="0"/>
               <a:t>&lt;/html&gt;</a:t>
             </a:r>
-            <a:endParaRPr lang="en-CA" sz="1100"/>
+            <a:endParaRPr lang="en-CA" sz="1100" dirty="0"/>
           </a:p>
         </p:txBody>
       </p:sp>
@@ -5010,7 +5058,7 @@
         <p:spPr>
           <a:xfrm>
             <a:off x="656707" y="2557551"/>
-            <a:ext cx="5439294" cy="2862322"/>
+            <a:ext cx="5439294" cy="2677656"/>
           </a:xfrm>
           <a:prstGeom prst="rect">
             <a:avLst/>
@@ -5040,7 +5088,7 @@
                   <a:srgbClr val="00B0F0"/>
                 </a:solidFill>
               </a:rPr>
-              <a:t>/* &lt;</a:t>
+              <a:t>/* &lt;h1&gt; OR &lt;</a:t>
             </a:r>
             <a:r>
               <a:rPr lang="en-US" sz="1200" dirty="0" err="1">
@@ -5056,8 +5104,61 @@
                   <a:srgbClr val="00B0F0"/>
                 </a:solidFill>
               </a:rPr>
-              <a:t>&gt; and has the id="belongings"</a:t>
-            </a:r>
+              <a:t> id="belongings"&gt; */</a:t>
+            </a:r>
+          </a:p>
+          <a:p>
+            <a:r>
+              <a:rPr lang="en-US" sz="1200" dirty="0">
+                <a:solidFill>
+                  <a:srgbClr val="7030A0"/>
+                </a:solidFill>
+              </a:rPr>
+              <a:t>h1, </a:t>
+            </a:r>
+            <a:r>
+              <a:rPr lang="en-US" sz="1200" dirty="0" err="1">
+                <a:solidFill>
+                  <a:srgbClr val="7030A0"/>
+                </a:solidFill>
+              </a:rPr>
+              <a:t>ul#belongings</a:t>
+            </a:r>
+            <a:r>
+              <a:rPr lang="en-US" sz="1200" dirty="0">
+                <a:solidFill>
+                  <a:srgbClr val="7030A0"/>
+                </a:solidFill>
+              </a:rPr>
+              <a:t> </a:t>
+            </a:r>
+            <a:r>
+              <a:rPr lang="en-US" sz="1200" dirty="0"/>
+              <a:t>{</a:t>
+            </a:r>
+          </a:p>
+          <a:p>
+            <a:r>
+              <a:rPr lang="en-US" sz="1200" dirty="0"/>
+              <a:t>   </a:t>
+            </a:r>
+            <a:r>
+              <a:rPr lang="en-US" sz="1200" dirty="0" err="1"/>
+              <a:t>background-color:green</a:t>
+            </a:r>
+            <a:r>
+              <a:rPr lang="en-US" sz="1200" dirty="0"/>
+              <a:t>;</a:t>
+            </a:r>
+          </a:p>
+          <a:p>
+            <a:r>
+              <a:rPr lang="en-US" sz="1200" dirty="0"/>
+              <a:t>}</a:t>
+            </a:r>
+          </a:p>
+          <a:p>
+            <a:endParaRPr lang="en-US" sz="1200" dirty="0"/>
           </a:p>
           <a:p>
             <a:r>
@@ -5066,17 +5167,27 @@
                   <a:srgbClr val="00B0F0"/>
                 </a:solidFill>
               </a:rPr>
-              <a:t>     will have green background</a:t>
+              <a:t>/* &lt;h1&gt; OR &lt;p&gt; OR &lt;li class="high-priority" data-note="Expires 2020-01-01"&gt; */</a:t>
             </a:r>
           </a:p>
           <a:p>
             <a:r>
               <a:rPr lang="en-US" sz="1200" dirty="0">
                 <a:solidFill>
-                  <a:srgbClr val="00B0F0"/>
+                  <a:srgbClr val="7030A0"/>
                 </a:solidFill>
               </a:rPr>
-              <a:t>*/</a:t>
+              <a:t>h1,</a:t>
+            </a:r>
+          </a:p>
+          <a:p>
+            <a:r>
+              <a:rPr lang="en-US" sz="1200" dirty="0">
+                <a:solidFill>
+                  <a:srgbClr val="7030A0"/>
+                </a:solidFill>
+              </a:rPr>
+              <a:t>p,</a:t>
             </a:r>
           </a:p>
           <a:p>
@@ -5086,7 +5197,7 @@
                   <a:srgbClr val="7030A0"/>
                 </a:solidFill>
               </a:rPr>
-              <a:t>ul#belongings</a:t>
+              <a:t>li.high</a:t>
             </a:r>
             <a:r>
               <a:rPr lang="en-US" sz="1200" dirty="0">
@@ -5094,71 +5205,6 @@
                   <a:srgbClr val="7030A0"/>
                 </a:solidFill>
               </a:rPr>
-              <a:t> </a:t>
-            </a:r>
-            <a:r>
-              <a:rPr lang="en-US" sz="1200" dirty="0"/>
-              <a:t>{</a:t>
-            </a:r>
-          </a:p>
-          <a:p>
-            <a:r>
-              <a:rPr lang="en-US" sz="1200" dirty="0"/>
-              <a:t>   </a:t>
-            </a:r>
-            <a:r>
-              <a:rPr lang="en-US" sz="1200" dirty="0" err="1"/>
-              <a:t>background-color:green</a:t>
-            </a:r>
-            <a:r>
-              <a:rPr lang="en-US" sz="1200" dirty="0"/>
-              <a:t>;</a:t>
-            </a:r>
-          </a:p>
-          <a:p>
-            <a:r>
-              <a:rPr lang="en-US" sz="1200" dirty="0"/>
-              <a:t>}</a:t>
-            </a:r>
-          </a:p>
-          <a:p>
-            <a:endParaRPr lang="en-US" sz="1200" dirty="0"/>
-          </a:p>
-          <a:p>
-            <a:r>
-              <a:rPr lang="en-US" sz="1200" dirty="0">
-                <a:solidFill>
-                  <a:srgbClr val="00B0F0"/>
-                </a:solidFill>
-              </a:rPr>
-              <a:t>/* &lt;li&gt; with class="high-priority" and a data-note="Expires 2020-01-01"</a:t>
-            </a:r>
-          </a:p>
-          <a:p>
-            <a:r>
-              <a:rPr lang="en-US" sz="1200" dirty="0">
-                <a:solidFill>
-                  <a:srgbClr val="00B0F0"/>
-                </a:solidFill>
-              </a:rPr>
-              <a:t>     which happens to be Passport */</a:t>
-            </a:r>
-          </a:p>
-          <a:p>
-            <a:r>
-              <a:rPr lang="en-US" sz="1200" dirty="0" err="1">
-                <a:solidFill>
-                  <a:srgbClr val="7030A0"/>
-                </a:solidFill>
-              </a:rPr>
-              <a:t>li.high</a:t>
-            </a:r>
-            <a:r>
-              <a:rPr lang="en-US" sz="1200" dirty="0">
-                <a:solidFill>
-                  <a:srgbClr val="7030A0"/>
-                </a:solidFill>
-              </a:rPr>
               <a:t>-priority[data-note="Expires 2020-01-01"] </a:t>
             </a:r>
             <a:r>
@@ -5197,7 +5243,7 @@
           <p:cNvPr id="2" name="TextBox 1">
             <a:extLst>
               <a:ext uri="{FF2B5EF4-FFF2-40B4-BE49-F238E27FC236}">
-                <a16:creationId xmlns:a16="http://schemas.microsoft.com/office/drawing/2014/main" id="{4B74E2B8-5CB4-BBDE-EFBA-432E9B845E2D}"/>
+                <a16:creationId xmlns:a16="http://schemas.microsoft.com/office/drawing/2014/main" id="{5437FF62-95B7-E55E-C156-9D7D77A4CCC1}"/>
               </a:ext>
             </a:extLst>
           </p:cNvPr>
@@ -5222,7 +5268,7 @@
           <a:p>
             <a:r>
               <a:rPr lang="en-US" b="1" dirty="0"/>
-              <a:t>See 06-example.html</a:t>
+              <a:t>See 07-example.html</a:t>
             </a:r>
           </a:p>
         </p:txBody>
@@ -5230,7 +5276,7 @@
     </p:spTree>
     <p:extLst>
       <p:ext uri="{BB962C8B-B14F-4D97-AF65-F5344CB8AC3E}">
-        <p14:creationId xmlns:p14="http://schemas.microsoft.com/office/powerpoint/2010/main" val="2403969353"/>
+        <p14:creationId xmlns:p14="http://schemas.microsoft.com/office/powerpoint/2010/main" val="4085181568"/>
       </p:ext>
     </p:extLst>
   </p:cSld>
@@ -5341,10 +5387,10 @@
           <a:p>
             <a:pPr algn="ctr"/>
             <a:r>
-              <a:rPr lang="en-CA" sz="3500">
+              <a:rPr lang="en-CA" sz="3500" dirty="0">
                 <a:latin typeface="Proxima Nova Bl" panose="02000506030000020004" pitchFamily="50" charset="0"/>
               </a:rPr>
-              <a:t>SELECTOR – SHARING STYLES</a:t>
+              <a:t>SELECTOR – PSEUDO-CLASS</a:t>
             </a:r>
           </a:p>
         </p:txBody>
@@ -5378,12 +5424,28 @@
           <a:lstStyle/>
           <a:p>
             <a:r>
+              <a:rPr lang="en-CA" sz="1600" dirty="0">
+                <a:latin typeface="Open Sans" panose="020B0606030504020204" pitchFamily="34" charset="0"/>
+                <a:ea typeface="Open Sans" panose="020B0606030504020204" pitchFamily="34" charset="0"/>
+                <a:cs typeface="Open Sans" panose="020B0606030504020204" pitchFamily="34" charset="0"/>
+              </a:rPr>
+              <a:t>You can also style HTML </a:t>
+            </a:r>
+            <a:r>
               <a:rPr lang="en-CA" sz="1600">
                 <a:latin typeface="Open Sans" panose="020B0606030504020204" pitchFamily="34" charset="0"/>
                 <a:ea typeface="Open Sans" panose="020B0606030504020204" pitchFamily="34" charset="0"/>
                 <a:cs typeface="Open Sans" panose="020B0606030504020204" pitchFamily="34" charset="0"/>
               </a:rPr>
-              <a:t>You can also style HTML tags by joining several selectors.  Here are examples:</a:t>
+              <a:t>tags pseudo-class.  </a:t>
+            </a:r>
+            <a:r>
+              <a:rPr lang="en-CA" sz="1600" dirty="0">
+                <a:latin typeface="Open Sans" panose="020B0606030504020204" pitchFamily="34" charset="0"/>
+                <a:ea typeface="Open Sans" panose="020B0606030504020204" pitchFamily="34" charset="0"/>
+                <a:cs typeface="Open Sans" panose="020B0606030504020204" pitchFamily="34" charset="0"/>
+              </a:rPr>
+              <a:t>Here are examples:</a:t>
             </a:r>
           </a:p>
         </p:txBody>
@@ -5609,7 +5671,7 @@
         <p:spPr>
           <a:xfrm>
             <a:off x="656707" y="2557551"/>
-            <a:ext cx="5439294" cy="2677656"/>
+            <a:ext cx="5439294" cy="3231654"/>
           </a:xfrm>
           <a:prstGeom prst="rect">
             <a:avLst/>
@@ -5639,23 +5701,46 @@
                   <a:srgbClr val="00B0F0"/>
                 </a:solidFill>
               </a:rPr>
-              <a:t>/* &lt;h1&gt; OR &lt;</a:t>
-            </a:r>
-            <a:r>
-              <a:rPr lang="en-US" sz="1200" dirty="0" err="1">
+              <a:t>/* first element of each child */</a:t>
+            </a:r>
+          </a:p>
+          <a:p>
+            <a:r>
+              <a:rPr lang="en-US" sz="1200" dirty="0">
                 <a:solidFill>
-                  <a:srgbClr val="00B0F0"/>
+                  <a:srgbClr val="7030A0"/>
                 </a:solidFill>
               </a:rPr>
-              <a:t>ul</a:t>
-            </a:r>
+              <a:t>:first-child </a:t>
+            </a:r>
+            <a:r>
+              <a:rPr lang="en-US" sz="1200" dirty="0"/>
+              <a:t>{</a:t>
+            </a:r>
+          </a:p>
+          <a:p>
+            <a:r>
+              <a:rPr lang="en-US" sz="1200" dirty="0"/>
+              <a:t>    color: green;</a:t>
+            </a:r>
+          </a:p>
+          <a:p>
+            <a:r>
+              <a:rPr lang="en-US" sz="1200" dirty="0"/>
+              <a:t>}</a:t>
+            </a:r>
+          </a:p>
+          <a:p>
+            <a:endParaRPr lang="en-US" sz="1200" dirty="0"/>
+          </a:p>
+          <a:p>
             <a:r>
               <a:rPr lang="en-US" sz="1200" dirty="0">
                 <a:solidFill>
                   <a:srgbClr val="00B0F0"/>
                 </a:solidFill>
               </a:rPr>
-              <a:t> id="belongings"&gt; */</a:t>
+              <a:t>/* every even numbered child – could also be :nth-child(even) , or :nth-child(odd) for odd number */</a:t>
             </a:r>
           </a:p>
           <a:p>
@@ -5665,23 +5750,7 @@
                   <a:srgbClr val="7030A0"/>
                 </a:solidFill>
               </a:rPr>
-              <a:t>h1, </a:t>
-            </a:r>
-            <a:r>
-              <a:rPr lang="en-US" sz="1200" dirty="0" err="1">
-                <a:solidFill>
-                  <a:srgbClr val="7030A0"/>
-                </a:solidFill>
-              </a:rPr>
-              <a:t>ul#belongings</a:t>
-            </a:r>
-            <a:r>
-              <a:rPr lang="en-US" sz="1200" dirty="0">
-                <a:solidFill>
-                  <a:srgbClr val="7030A0"/>
-                </a:solidFill>
-              </a:rPr>
-              <a:t> </a:t>
+              <a:t>p:nth-child(2n) </a:t>
             </a:r>
             <a:r>
               <a:rPr lang="en-US" sz="1200" dirty="0"/>
@@ -5691,15 +5760,7 @@
           <a:p>
             <a:r>
               <a:rPr lang="en-US" sz="1200" dirty="0"/>
-              <a:t>   </a:t>
-            </a:r>
-            <a:r>
-              <a:rPr lang="en-US" sz="1200" dirty="0" err="1"/>
-              <a:t>background-color:green</a:t>
-            </a:r>
-            <a:r>
-              <a:rPr lang="en-US" sz="1200" dirty="0"/>
-              <a:t>;</a:t>
+              <a:t>    color: red;</a:t>
             </a:r>
           </a:p>
           <a:p>
@@ -5707,8 +5768,9 @@
               <a:rPr lang="en-US" sz="1200" dirty="0"/>
               <a:t>}</a:t>
             </a:r>
-          </a:p>
-          <a:p>
+            <a:br>
+              <a:rPr lang="en-US" sz="1200" dirty="0"/>
+            </a:br>
             <a:endParaRPr lang="en-US" sz="1200" dirty="0"/>
           </a:p>
           <a:p>
@@ -5718,63 +5780,20 @@
                   <a:srgbClr val="00B0F0"/>
                 </a:solidFill>
               </a:rPr>
-              <a:t>/* &lt;h1&gt; OR &lt;p&gt; OR &lt;li class="high-priority" data-note="Expires 2020-01-01"&gt; */</a:t>
-            </a:r>
-          </a:p>
-          <a:p>
-            <a:r>
-              <a:rPr lang="en-US" sz="1200" dirty="0">
-                <a:solidFill>
-                  <a:srgbClr val="7030A0"/>
-                </a:solidFill>
-              </a:rPr>
-              <a:t>h1,</a:t>
-            </a:r>
-          </a:p>
-          <a:p>
-            <a:r>
-              <a:rPr lang="en-US" sz="1200" dirty="0">
-                <a:solidFill>
-                  <a:srgbClr val="7030A0"/>
-                </a:solidFill>
-              </a:rPr>
-              <a:t>p,</a:t>
-            </a:r>
-          </a:p>
-          <a:p>
-            <a:r>
-              <a:rPr lang="en-US" sz="1200" dirty="0" err="1">
-                <a:solidFill>
-                  <a:srgbClr val="7030A0"/>
-                </a:solidFill>
-              </a:rPr>
-              <a:t>li.high</a:t>
-            </a:r>
-            <a:r>
-              <a:rPr lang="en-US" sz="1200" dirty="0">
-                <a:solidFill>
-                  <a:srgbClr val="7030A0"/>
-                </a:solidFill>
-              </a:rPr>
-              <a:t>-priority[data-note="Expires 2020-01-01"] </a:t>
-            </a:r>
-            <a:r>
-              <a:rPr lang="en-US" sz="1200" dirty="0"/>
-              <a:t>{</a:t>
-            </a:r>
-          </a:p>
-          <a:p>
-            <a:r>
-              <a:rPr lang="en-US" sz="1200" dirty="0"/>
-              <a:t>   </a:t>
-            </a:r>
-            <a:r>
-              <a:rPr lang="en-US" sz="1200" dirty="0" err="1"/>
-              <a:t>color:red</a:t>
-            </a:r>
-            <a:r>
-              <a:rPr lang="en-US" sz="1200" dirty="0"/>
-              <a:t>;</a:t>
+              <a:t>/* 4th child */</a:t>
+            </a:r>
+          </a:p>
+          <a:p>
+            <a:r>
+              <a:rPr lang="en-US" sz="1200" dirty="0"/>
+              <a:t>:nth-child(4) {</a:t>
+            </a:r>
+            <a:br>
+              <a:rPr lang="en-US" sz="1200" dirty="0"/>
+            </a:br>
+            <a:r>
+              <a:rPr lang="en-US" sz="1200" dirty="0"/>
+              <a:t>    font-family: cursive;</a:t>
             </a:r>
           </a:p>
           <a:p>
@@ -5784,9 +5803,6 @@
             </a:r>
             <a:endParaRPr lang="en-CA" sz="1200" dirty="0"/>
           </a:p>
-          <a:p>
-            <a:endParaRPr lang="en-CA" sz="1200" dirty="0"/>
-          </a:p>
         </p:txBody>
       </p:sp>
       <p:sp>
@@ -5794,7 +5810,7 @@
           <p:cNvPr id="2" name="TextBox 1">
             <a:extLst>
               <a:ext uri="{FF2B5EF4-FFF2-40B4-BE49-F238E27FC236}">
-                <a16:creationId xmlns:a16="http://schemas.microsoft.com/office/drawing/2014/main" id="{5437FF62-95B7-E55E-C156-9D7D77A4CCC1}"/>
+                <a16:creationId xmlns:a16="http://schemas.microsoft.com/office/drawing/2014/main" id="{E25DC948-5B42-4C6B-3B79-F5672CD14F96}"/>
               </a:ext>
             </a:extLst>
           </p:cNvPr>
@@ -5803,7 +5819,7 @@
         </p:nvSpPr>
         <p:spPr>
           <a:xfrm>
-            <a:off x="607753" y="5648960"/>
+            <a:off x="607753" y="5831840"/>
             <a:ext cx="2198359" cy="369332"/>
           </a:xfrm>
           <a:prstGeom prst="rect">
@@ -5819,7 +5835,7 @@
           <a:p>
             <a:r>
               <a:rPr lang="en-US" b="1" dirty="0"/>
-              <a:t>See 07-example.html</a:t>
+              <a:t>See 04-example.html</a:t>
             </a:r>
           </a:p>
         </p:txBody>
@@ -5827,7 +5843,7 @@
     </p:spTree>
     <p:extLst>
       <p:ext uri="{BB962C8B-B14F-4D97-AF65-F5344CB8AC3E}">
-        <p14:creationId xmlns:p14="http://schemas.microsoft.com/office/powerpoint/2010/main" val="4085181568"/>
+        <p14:creationId xmlns:p14="http://schemas.microsoft.com/office/powerpoint/2010/main" val="589806935"/>
       </p:ext>
     </p:extLst>
   </p:cSld>
@@ -6710,7 +6726,7 @@
         <p:spPr>
           <a:xfrm>
             <a:off x="656707" y="2557551"/>
-            <a:ext cx="5439294" cy="3416320"/>
+            <a:ext cx="5439294" cy="3231654"/>
           </a:xfrm>
           <a:prstGeom prst="rect">
             <a:avLst/>
@@ -6726,13 +6742,13 @@
           <a:lstStyle/>
           <a:p>
             <a:r>
-              <a:rPr lang="en-US" sz="1200"/>
+              <a:rPr lang="en-US" sz="1200" dirty="0"/>
               <a:t>/* my-style.css */</a:t>
             </a:r>
           </a:p>
           <a:p>
             <a:r>
-              <a:rPr lang="en-US" sz="1200">
+              <a:rPr lang="en-US" sz="1200" dirty="0">
                 <a:solidFill>
                   <a:srgbClr val="00B0F0"/>
                 </a:solidFill>
@@ -6742,7 +6758,7 @@
           </a:p>
           <a:p>
             <a:r>
-              <a:rPr lang="en-US" sz="1200">
+              <a:rPr lang="en-US" sz="1200" dirty="0">
                 <a:solidFill>
                   <a:srgbClr val="00B0F0"/>
                 </a:solidFill>
@@ -6752,43 +6768,67 @@
           </a:p>
           <a:p>
             <a:r>
-              <a:rPr lang="en-US" sz="1200">
+              <a:rPr lang="en-US" sz="1200" dirty="0" err="1">
                 <a:solidFill>
                   <a:srgbClr val="7030A0"/>
                 </a:solidFill>
               </a:rPr>
-              <a:t>li.high-priority[data-note="Expires 2020-01-01"] </a:t>
-            </a:r>
-            <a:r>
-              <a:rPr lang="en-US" sz="1200"/>
+              <a:t>li.high</a:t>
+            </a:r>
+            <a:r>
+              <a:rPr lang="en-US" sz="1200" dirty="0">
+                <a:solidFill>
+                  <a:srgbClr val="7030A0"/>
+                </a:solidFill>
+              </a:rPr>
+              <a:t>-priority[data-note="Expires 2020-01-01"] </a:t>
+            </a:r>
+            <a:r>
+              <a:rPr lang="en-US" sz="1200" dirty="0"/>
               <a:t>{</a:t>
             </a:r>
           </a:p>
           <a:p>
             <a:r>
-              <a:rPr lang="en-US" sz="1200"/>
-              <a:t>   background-color:red;</a:t>
-            </a:r>
-          </a:p>
-          <a:p>
-            <a:r>
-              <a:rPr lang="en-US" sz="1200"/>
-              <a:t>   color:white;</a:t>
-            </a:r>
-          </a:p>
-          <a:p>
-            <a:r>
-              <a:rPr lang="en-US" sz="1200"/>
+              <a:rPr lang="en-US" sz="1200" dirty="0"/>
+              <a:t>   </a:t>
+            </a:r>
+            <a:r>
+              <a:rPr lang="en-US" sz="1200" dirty="0" err="1"/>
+              <a:t>background-color:red</a:t>
+            </a:r>
+            <a:r>
+              <a:rPr lang="en-US" sz="1200" dirty="0"/>
+              <a:t>;</a:t>
+            </a:r>
+          </a:p>
+          <a:p>
+            <a:r>
+              <a:rPr lang="en-US" sz="1200" dirty="0"/>
+              <a:t>   </a:t>
+            </a:r>
+            <a:r>
+              <a:rPr lang="en-US" sz="1200" dirty="0" err="1"/>
+              <a:t>color:white</a:t>
+            </a:r>
+            <a:r>
+              <a:rPr lang="en-US" sz="1200" dirty="0"/>
+              <a:t>;</a:t>
+            </a:r>
+          </a:p>
+          <a:p>
+            <a:r>
+              <a:rPr lang="en-US" sz="1200" dirty="0"/>
               <a:t>}</a:t>
             </a:r>
-            <a:endParaRPr lang="en-CA" sz="1200"/>
-          </a:p>
-          <a:p>
-            <a:endParaRPr lang="en-US" sz="1200"/>
-          </a:p>
-          <a:p>
-            <a:r>
-              <a:rPr lang="en-US" sz="1200">
+            <a:endParaRPr lang="en-CA" sz="1200" dirty="0"/>
+          </a:p>
+          <a:p>
+            <a:endParaRPr lang="en-US" sz="1200" dirty="0"/>
+          </a:p>
+          <a:p>
+            <a:r>
+              <a:rPr lang="en-US" sz="1200" dirty="0">
                 <a:solidFill>
                   <a:srgbClr val="00B0F0"/>
                 </a:solidFill>
@@ -6798,39 +6838,52 @@
           </a:p>
           <a:p>
             <a:r>
-              <a:rPr lang="en-US" sz="1200">
+              <a:rPr lang="en-US" sz="1200" dirty="0" err="1">
                 <a:solidFill>
                   <a:srgbClr val="7030A0"/>
                 </a:solidFill>
               </a:rPr>
-              <a:t>li.high-priority </a:t>
-            </a:r>
-            <a:r>
-              <a:rPr lang="en-US" sz="1200"/>
+              <a:t>li.high</a:t>
+            </a:r>
+            <a:r>
+              <a:rPr lang="en-US" sz="1200" dirty="0">
+                <a:solidFill>
+                  <a:srgbClr val="7030A0"/>
+                </a:solidFill>
+              </a:rPr>
+              <a:t>-priority </a:t>
+            </a:r>
+            <a:r>
+              <a:rPr lang="en-US" sz="1200" dirty="0"/>
               <a:t>{</a:t>
             </a:r>
           </a:p>
           <a:p>
             <a:r>
-              <a:rPr lang="en-US" sz="1200"/>
-              <a:t>   color:red;</a:t>
-            </a:r>
-          </a:p>
-          <a:p>
-            <a:r>
-              <a:rPr lang="en-US" sz="1200"/>
+              <a:rPr lang="en-US" sz="1200" dirty="0"/>
+              <a:t>   </a:t>
+            </a:r>
+            <a:r>
+              <a:rPr lang="en-US" sz="1200" dirty="0" err="1"/>
+              <a:t>color:red</a:t>
+            </a:r>
+            <a:r>
+              <a:rPr lang="en-US" sz="1200" dirty="0"/>
+              <a:t>;</a:t>
+            </a:r>
+          </a:p>
+          <a:p>
+            <a:r>
+              <a:rPr lang="en-US" sz="1200" dirty="0"/>
               <a:t>}</a:t>
             </a:r>
           </a:p>
           <a:p>
-            <a:endParaRPr lang="en-US" sz="1200"/>
-          </a:p>
-          <a:p>
-            <a:endParaRPr lang="en-US" sz="1200"/>
-          </a:p>
-          <a:p>
-            <a:r>
-              <a:rPr lang="en-US" sz="1200">
+            <a:endParaRPr lang="en-US" sz="1200" dirty="0"/>
+          </a:p>
+          <a:p>
+            <a:r>
+              <a:rPr lang="en-US" sz="1200" dirty="0">
                 <a:solidFill>
                   <a:srgbClr val="00B0F0"/>
                 </a:solidFill>
@@ -6840,7 +6893,7 @@
           </a:p>
           <a:p>
             <a:r>
-              <a:rPr lang="en-US" sz="1200">
+              <a:rPr lang="en-US" sz="1200" dirty="0">
                 <a:solidFill>
                   <a:srgbClr val="7030A0"/>
                 </a:solidFill>
@@ -6848,19 +6901,27 @@
               <a:t>li </a:t>
             </a:r>
             <a:r>
-              <a:rPr lang="en-US" sz="1200"/>
+              <a:rPr lang="en-US" sz="1200" dirty="0"/>
               <a:t>{</a:t>
             </a:r>
           </a:p>
           <a:p>
             <a:r>
-              <a:rPr lang="en-US" sz="1200"/>
-              <a:t>   color:gray;</a:t>
-            </a:r>
-          </a:p>
-          <a:p>
-            <a:r>
-              <a:rPr lang="en-US" sz="1200"/>
+              <a:rPr lang="en-US" sz="1200" dirty="0"/>
+              <a:t>   </a:t>
+            </a:r>
+            <a:r>
+              <a:rPr lang="en-US" sz="1200" dirty="0" err="1"/>
+              <a:t>color:gray</a:t>
+            </a:r>
+            <a:r>
+              <a:rPr lang="en-US" sz="1200" dirty="0"/>
+              <a:t>;</a:t>
+            </a:r>
+          </a:p>
+          <a:p>
+            <a:r>
+              <a:rPr lang="en-US" sz="1200" dirty="0"/>
               <a:t>}</a:t>
             </a:r>
           </a:p>
@@ -6901,6 +6962,41 @@
                 <a:cs typeface="Open Sans" panose="020B0606030504020204" pitchFamily="34" charset="0"/>
               </a:rPr>
               <a:t>If you apply multiple style declarations to the same tag, the more specific rule, followed by the most recent rule takes precedence.</a:t>
+            </a:r>
+          </a:p>
+        </p:txBody>
+      </p:sp>
+      <p:sp>
+        <p:nvSpPr>
+          <p:cNvPr id="2" name="TextBox 1">
+            <a:extLst>
+              <a:ext uri="{FF2B5EF4-FFF2-40B4-BE49-F238E27FC236}">
+                <a16:creationId xmlns:a16="http://schemas.microsoft.com/office/drawing/2014/main" id="{0299D9A9-CA7A-CEDB-4FA5-4923DD1DBF91}"/>
+              </a:ext>
+            </a:extLst>
+          </p:cNvPr>
+          <p:cNvSpPr txBox="1"/>
+          <p:nvPr/>
+        </p:nvSpPr>
+        <p:spPr>
+          <a:xfrm>
+            <a:off x="607753" y="5767832"/>
+            <a:ext cx="2198359" cy="369332"/>
+          </a:xfrm>
+          <a:prstGeom prst="rect">
+            <a:avLst/>
+          </a:prstGeom>
+          <a:noFill/>
+        </p:spPr>
+        <p:txBody>
+          <a:bodyPr wrap="none" rtlCol="0">
+            <a:spAutoFit/>
+          </a:bodyPr>
+          <a:lstStyle/>
+          <a:p>
+            <a:r>
+              <a:rPr lang="en-US" b="1" dirty="0"/>
+              <a:t>See 08-example.html</a:t>
             </a:r>
           </a:p>
         </p:txBody>
@@ -10984,10 +11080,10 @@
           <a:p>
             <a:pPr algn="ctr"/>
             <a:r>
-              <a:rPr lang="en-CA" sz="3500" dirty="0">
+              <a:rPr lang="en-CA" sz="3500">
                 <a:latin typeface="Proxima Nova Bl" panose="02000506030000020004" pitchFamily="50" charset="0"/>
               </a:rPr>
-              <a:t>SELECTOR – PSEUDO-CLASS</a:t>
+              <a:t>SELECTOR – CHILDREN</a:t>
             </a:r>
           </a:p>
         </p:txBody>
@@ -11252,7 +11348,7 @@
         <p:spPr>
           <a:xfrm>
             <a:off x="656707" y="2557551"/>
-            <a:ext cx="5439294" cy="3231654"/>
+            <a:ext cx="5439294" cy="2677656"/>
           </a:xfrm>
           <a:prstGeom prst="rect">
             <a:avLst/>
@@ -11282,7 +11378,17 @@
                   <a:srgbClr val="00B0F0"/>
                 </a:solidFill>
               </a:rPr>
-              <a:t>/* first element of each child */</a:t>
+              <a:t>/* &lt;li&gt; under the &lt;body&gt; under any tag with id="belongings"</a:t>
+            </a:r>
+          </a:p>
+          <a:p>
+            <a:r>
+              <a:rPr lang="en-US" sz="1200" dirty="0">
+                <a:solidFill>
+                  <a:srgbClr val="00B0F0"/>
+                </a:solidFill>
+              </a:rPr>
+              <a:t>     which happens to be Passport, Cash and Clothes */</a:t>
             </a:r>
           </a:p>
           <a:p>
@@ -11292,7 +11398,7 @@
                   <a:srgbClr val="7030A0"/>
                 </a:solidFill>
               </a:rPr>
-              <a:t>:first-child </a:t>
+              <a:t>body #belongings li </a:t>
             </a:r>
             <a:r>
               <a:rPr lang="en-US" sz="1200" dirty="0"/>
@@ -11302,7 +11408,29 @@
           <a:p>
             <a:r>
               <a:rPr lang="en-US" sz="1200" dirty="0"/>
-              <a:t>    color: green;</a:t>
+              <a:t>  </a:t>
+            </a:r>
+            <a:r>
+              <a:rPr lang="en-US" sz="1200" dirty="0" err="1"/>
+              <a:t>font-style:italic</a:t>
+            </a:r>
+            <a:r>
+              <a:rPr lang="en-US" sz="1200" dirty="0"/>
+              <a:t>;</a:t>
+            </a:r>
+          </a:p>
+          <a:p>
+            <a:r>
+              <a:rPr lang="en-US" sz="1200" dirty="0"/>
+              <a:t>  </a:t>
+            </a:r>
+            <a:r>
+              <a:rPr lang="en-US" sz="1200" dirty="0" err="1"/>
+              <a:t>color:green</a:t>
+            </a:r>
+            <a:r>
+              <a:rPr lang="en-US" sz="1200" dirty="0"/>
+              <a:t>;</a:t>
             </a:r>
           </a:p>
           <a:p>
@@ -11321,17 +11449,51 @@
                   <a:srgbClr val="00B0F0"/>
                 </a:solidFill>
               </a:rPr>
-              <a:t>/* every even numbered child – could also be :nth-child(even) , or :nth-child(odd) for odd number */</a:t>
-            </a:r>
-          </a:p>
-          <a:p>
+              <a:t>/* &lt;li&gt; under &lt;</a:t>
+            </a:r>
+            <a:r>
+              <a:rPr lang="en-US" sz="1200" dirty="0" err="1">
+                <a:solidFill>
+                  <a:srgbClr val="00B0F0"/>
+                </a:solidFill>
+              </a:rPr>
+              <a:t>ol</a:t>
+            </a:r>
+            <a:r>
+              <a:rPr lang="en-US" sz="1200" dirty="0">
+                <a:solidFill>
+                  <a:srgbClr val="00B0F0"/>
+                </a:solidFill>
+              </a:rPr>
+              <a:t>&gt;</a:t>
+            </a:r>
+          </a:p>
+          <a:p>
+            <a:r>
+              <a:rPr lang="en-US" sz="1200" dirty="0">
+                <a:solidFill>
+                  <a:srgbClr val="00B0F0"/>
+                </a:solidFill>
+              </a:rPr>
+              <a:t>     which happens to be Notify family of departure, Lock the house door, Call taxi */</a:t>
+            </a:r>
+          </a:p>
+          <a:p>
+            <a:r>
+              <a:rPr lang="en-US" sz="1200" dirty="0" err="1">
+                <a:solidFill>
+                  <a:srgbClr val="7030A0"/>
+                </a:solidFill>
+              </a:rPr>
+              <a:t>ol</a:t>
+            </a:r>
             <a:r>
               <a:rPr lang="en-US" sz="1200" dirty="0">
                 <a:solidFill>
                   <a:srgbClr val="7030A0"/>
                 </a:solidFill>
               </a:rPr>
-              <a:t>:nth-child(2n) </a:t>
+              <a:t> li </a:t>
             </a:r>
             <a:r>
               <a:rPr lang="en-US" sz="1200" dirty="0"/>
@@ -11341,40 +11503,15 @@
           <a:p>
             <a:r>
               <a:rPr lang="en-US" sz="1200" dirty="0"/>
-              <a:t>    color: red;</a:t>
-            </a:r>
-          </a:p>
-          <a:p>
-            <a:r>
-              <a:rPr lang="en-US" sz="1200" dirty="0"/>
-              <a:t>}</a:t>
-            </a:r>
-            <a:br>
-              <a:rPr lang="en-US" sz="1200" dirty="0"/>
-            </a:br>
-            <a:endParaRPr lang="en-US" sz="1200" dirty="0"/>
-          </a:p>
-          <a:p>
-            <a:r>
-              <a:rPr lang="en-US" sz="1200" dirty="0">
-                <a:solidFill>
-                  <a:srgbClr val="00B0F0"/>
-                </a:solidFill>
-              </a:rPr>
-              <a:t>/* 4th child */</a:t>
-            </a:r>
-          </a:p>
-          <a:p>
-            <a:r>
-              <a:rPr lang="en-US" sz="1200" dirty="0"/>
-              <a:t>:nth-child(4) {</a:t>
-            </a:r>
-            <a:br>
-              <a:rPr lang="en-US" sz="1200" dirty="0"/>
-            </a:br>
-            <a:r>
-              <a:rPr lang="en-US" sz="1200" dirty="0"/>
-              <a:t>    font-family: cursive;</a:t>
+              <a:t>    </a:t>
+            </a:r>
+            <a:r>
+              <a:rPr lang="en-US" sz="1200" dirty="0" err="1"/>
+              <a:t>color:red</a:t>
+            </a:r>
+            <a:r>
+              <a:rPr lang="en-US" sz="1200" dirty="0"/>
+              <a:t>;</a:t>
             </a:r>
           </a:p>
           <a:p>
@@ -11400,7 +11537,7 @@
         </p:nvSpPr>
         <p:spPr>
           <a:xfrm>
-            <a:off x="607753" y="5831840"/>
+            <a:off x="607753" y="5648960"/>
             <a:ext cx="2198359" cy="369332"/>
           </a:xfrm>
           <a:prstGeom prst="rect">
@@ -11416,7 +11553,7 @@
           <a:p>
             <a:r>
               <a:rPr lang="en-US" b="1" dirty="0"/>
-              <a:t>See 04-example.html</a:t>
+              <a:t>See 05-example.html</a:t>
             </a:r>
           </a:p>
         </p:txBody>
@@ -11424,7 +11561,7 @@
     </p:spTree>
     <p:extLst>
       <p:ext uri="{BB962C8B-B14F-4D97-AF65-F5344CB8AC3E}">
-        <p14:creationId xmlns:p14="http://schemas.microsoft.com/office/powerpoint/2010/main" val="589806935"/>
+        <p14:creationId xmlns:p14="http://schemas.microsoft.com/office/powerpoint/2010/main" val="72527101"/>
       </p:ext>
     </p:extLst>
   </p:cSld>
@@ -11538,7 +11675,7 @@
               <a:rPr lang="en-CA" sz="3500">
                 <a:latin typeface="Proxima Nova Bl" panose="02000506030000020004" pitchFamily="50" charset="0"/>
               </a:rPr>
-              <a:t>SELECTOR – CHILDREN</a:t>
+              <a:t>SELECTOR – JOINING SELECTORS</a:t>
             </a:r>
           </a:p>
         </p:txBody>
@@ -11577,7 +11714,7 @@
                 <a:ea typeface="Open Sans" panose="020B0606030504020204" pitchFamily="34" charset="0"/>
                 <a:cs typeface="Open Sans" panose="020B0606030504020204" pitchFamily="34" charset="0"/>
               </a:rPr>
-              <a:t>You can also style HTML tags by their place in HTML hierarchy.  Here are examples:</a:t>
+              <a:t>You can also style HTML tags by joining several selectors.  Here are examples:</a:t>
             </a:r>
           </a:p>
         </p:txBody>
@@ -11613,178 +11750,130 @@
           <a:lstStyle/>
           <a:p>
             <a:r>
-              <a:rPr lang="en-US" sz="1100" dirty="0"/>
+              <a:rPr lang="en-US" sz="1100"/>
               <a:t>&lt;!DOCTYPE html&gt;</a:t>
             </a:r>
           </a:p>
           <a:p>
             <a:r>
-              <a:rPr lang="en-US" sz="1100" dirty="0"/>
+              <a:rPr lang="en-US" sz="1100"/>
               <a:t>&lt;html&gt;</a:t>
             </a:r>
           </a:p>
           <a:p>
             <a:r>
-              <a:rPr lang="en-US" sz="1100" dirty="0"/>
+              <a:rPr lang="en-US" sz="1100"/>
               <a:t>  &lt;head&gt;</a:t>
             </a:r>
           </a:p>
           <a:p>
             <a:r>
-              <a:rPr lang="en-US" sz="1100" dirty="0"/>
-              <a:t>    &lt;link </a:t>
-            </a:r>
-            <a:r>
-              <a:rPr lang="en-US" sz="1100" dirty="0" err="1"/>
-              <a:t>href</a:t>
-            </a:r>
-            <a:r>
-              <a:rPr lang="en-US" sz="1100" dirty="0"/>
-              <a:t>="my-style.css" </a:t>
-            </a:r>
-            <a:r>
-              <a:rPr lang="en-US" sz="1100" dirty="0" err="1"/>
-              <a:t>rel</a:t>
-            </a:r>
-            <a:r>
-              <a:rPr lang="en-US" sz="1100" dirty="0"/>
-              <a:t>="stylesheet" /&gt;</a:t>
-            </a:r>
-          </a:p>
-          <a:p>
-            <a:r>
-              <a:rPr lang="en-US" sz="1100" dirty="0"/>
+              <a:rPr lang="en-US" sz="1100"/>
+              <a:t>    &lt;link href="my-style.css" rel="stylesheet" /&gt;</a:t>
+            </a:r>
+          </a:p>
+          <a:p>
+            <a:r>
+              <a:rPr lang="en-US" sz="1100"/>
               <a:t>  &lt;/head&gt;</a:t>
             </a:r>
           </a:p>
           <a:p>
             <a:r>
-              <a:rPr lang="en-US" sz="1100" dirty="0"/>
+              <a:rPr lang="en-US" sz="1100"/>
               <a:t>  &lt;body&gt;</a:t>
             </a:r>
           </a:p>
           <a:p>
             <a:r>
-              <a:rPr lang="en-US" sz="1100" dirty="0"/>
+              <a:rPr lang="en-US" sz="1100"/>
               <a:t>    &lt;h1&gt;Hello World&lt;/h1&gt;</a:t>
             </a:r>
           </a:p>
           <a:p>
             <a:r>
-              <a:rPr lang="en-US" sz="1100" dirty="0"/>
+              <a:rPr lang="en-US" sz="1100"/>
               <a:t>    &lt;p&gt;Take these with you on vacation:&lt;/p&gt;</a:t>
             </a:r>
           </a:p>
           <a:p>
             <a:r>
-              <a:rPr lang="en-US" sz="1100" dirty="0"/>
-              <a:t>    &lt;</a:t>
-            </a:r>
-            <a:r>
-              <a:rPr lang="en-US" sz="1100" dirty="0" err="1"/>
-              <a:t>ul</a:t>
-            </a:r>
-            <a:r>
-              <a:rPr lang="en-US" sz="1100" dirty="0"/>
-              <a:t> id="belongings"&gt;</a:t>
-            </a:r>
-          </a:p>
-          <a:p>
-            <a:r>
-              <a:rPr lang="en-US" sz="1100" dirty="0"/>
+              <a:rPr lang="en-US" sz="1100"/>
+              <a:t>    &lt;ul id="belongings"&gt;</a:t>
+            </a:r>
+          </a:p>
+          <a:p>
+            <a:r>
+              <a:rPr lang="en-US" sz="1100"/>
               <a:t>      &lt;li class="high-priority" data-note="Expires 2020-01-01"&gt;Passport&lt;/li&gt;</a:t>
             </a:r>
           </a:p>
           <a:p>
             <a:r>
-              <a:rPr lang="en-US" sz="1100" dirty="0"/>
+              <a:rPr lang="en-US" sz="1100"/>
               <a:t>      &lt;li class="high-priority"&gt;Cash&lt;/li&gt;</a:t>
             </a:r>
           </a:p>
           <a:p>
             <a:r>
-              <a:rPr lang="en-US" sz="1100" dirty="0"/>
+              <a:rPr lang="en-US" sz="1100"/>
               <a:t>      &lt;li&gt;Clothes&lt;/li&gt;</a:t>
             </a:r>
           </a:p>
           <a:p>
             <a:r>
-              <a:rPr lang="en-US" sz="1100" dirty="0"/>
-              <a:t>    &lt;/</a:t>
-            </a:r>
-            <a:r>
-              <a:rPr lang="en-US" sz="1100" dirty="0" err="1"/>
-              <a:t>ul</a:t>
-            </a:r>
-            <a:r>
-              <a:rPr lang="en-US" sz="1100" dirty="0"/>
-              <a:t>&gt;</a:t>
-            </a:r>
-          </a:p>
-          <a:p>
-            <a:r>
-              <a:rPr lang="en-US" sz="1100" dirty="0"/>
+              <a:rPr lang="en-US" sz="1100"/>
+              <a:t>    &lt;/ul&gt;</a:t>
+            </a:r>
+          </a:p>
+          <a:p>
+            <a:r>
+              <a:rPr lang="en-US" sz="1100"/>
               <a:t>    &lt;p&gt;Remember to:&lt;/p&gt;</a:t>
             </a:r>
           </a:p>
           <a:p>
             <a:r>
-              <a:rPr lang="en-US" sz="1100" dirty="0"/>
-              <a:t>    &lt;</a:t>
-            </a:r>
-            <a:r>
-              <a:rPr lang="en-US" sz="1100" dirty="0" err="1"/>
-              <a:t>ol</a:t>
-            </a:r>
-            <a:r>
-              <a:rPr lang="en-US" sz="1100" dirty="0"/>
-              <a:t> id="remember-to"&gt;</a:t>
-            </a:r>
-          </a:p>
-          <a:p>
-            <a:r>
-              <a:rPr lang="en-US" sz="1100" dirty="0"/>
+              <a:rPr lang="en-US" sz="1100"/>
+              <a:t>    &lt;ol id="remember-to"&gt;</a:t>
+            </a:r>
+          </a:p>
+          <a:p>
+            <a:r>
+              <a:rPr lang="en-US" sz="1100"/>
               <a:t>      &lt;li&gt;Notify family of departure.&lt;/li&gt;</a:t>
             </a:r>
           </a:p>
           <a:p>
             <a:r>
-              <a:rPr lang="en-US" sz="1100" dirty="0"/>
+              <a:rPr lang="en-US" sz="1100"/>
               <a:t>      &lt;li&gt;Lock the house door.&lt;/li&gt;</a:t>
             </a:r>
           </a:p>
           <a:p>
             <a:r>
-              <a:rPr lang="en-US" sz="1100" dirty="0"/>
+              <a:rPr lang="en-US" sz="1100"/>
               <a:t>      &lt;li&gt;Call taxi.&lt;/li&gt;</a:t>
             </a:r>
           </a:p>
           <a:p>
             <a:r>
-              <a:rPr lang="en-US" sz="1100" dirty="0"/>
-              <a:t>    &lt;/</a:t>
-            </a:r>
-            <a:r>
-              <a:rPr lang="en-US" sz="1100" dirty="0" err="1"/>
-              <a:t>ol</a:t>
-            </a:r>
-            <a:r>
-              <a:rPr lang="en-US" sz="1100" dirty="0"/>
-              <a:t>&gt;</a:t>
-            </a:r>
-          </a:p>
-          <a:p>
-            <a:r>
-              <a:rPr lang="en-US" sz="1100" dirty="0"/>
+              <a:rPr lang="en-US" sz="1100"/>
+              <a:t>    &lt;/ol&gt;</a:t>
+            </a:r>
+          </a:p>
+          <a:p>
+            <a:r>
+              <a:rPr lang="en-US" sz="1100"/>
               <a:t>  &lt;/body&gt;</a:t>
             </a:r>
           </a:p>
           <a:p>
             <a:r>
-              <a:rPr lang="en-US" sz="1100" dirty="0"/>
+              <a:rPr lang="en-US" sz="1100"/>
               <a:t>&lt;/html&gt;</a:t>
             </a:r>
-            <a:endParaRPr lang="en-CA" sz="1100" dirty="0"/>
+            <a:endParaRPr lang="en-CA" sz="1100"/>
           </a:p>
         </p:txBody>
       </p:sp>
@@ -11803,7 +11892,7 @@
         <p:spPr>
           <a:xfrm>
             <a:off x="656707" y="2557551"/>
-            <a:ext cx="5439294" cy="2677656"/>
+            <a:ext cx="5439294" cy="2862322"/>
           </a:xfrm>
           <a:prstGeom prst="rect">
             <a:avLst/>
@@ -11833,27 +11922,61 @@
                   <a:srgbClr val="00B0F0"/>
                 </a:solidFill>
               </a:rPr>
-              <a:t>/* &lt;li&gt; under the &lt;body&gt; under any tag with id="belongings"</a:t>
-            </a:r>
-          </a:p>
-          <a:p>
+              <a:t>/* &lt;</a:t>
+            </a:r>
+            <a:r>
+              <a:rPr lang="en-US" sz="1200" dirty="0" err="1">
+                <a:solidFill>
+                  <a:srgbClr val="00B0F0"/>
+                </a:solidFill>
+              </a:rPr>
+              <a:t>ul</a:t>
+            </a:r>
             <a:r>
               <a:rPr lang="en-US" sz="1200" dirty="0">
                 <a:solidFill>
                   <a:srgbClr val="00B0F0"/>
                 </a:solidFill>
               </a:rPr>
-              <a:t>     which happens to be Passport, Cash and Clothes */</a:t>
-            </a:r>
-          </a:p>
-          <a:p>
+              <a:t>&gt; and has the id="belongings"</a:t>
+            </a:r>
+          </a:p>
+          <a:p>
+            <a:r>
+              <a:rPr lang="en-US" sz="1200" dirty="0">
+                <a:solidFill>
+                  <a:srgbClr val="00B0F0"/>
+                </a:solidFill>
+              </a:rPr>
+              <a:t>     will have green background</a:t>
+            </a:r>
+          </a:p>
+          <a:p>
+            <a:r>
+              <a:rPr lang="en-US" sz="1200" dirty="0">
+                <a:solidFill>
+                  <a:srgbClr val="00B0F0"/>
+                </a:solidFill>
+              </a:rPr>
+              <a:t>*/</a:t>
+            </a:r>
+          </a:p>
+          <a:p>
+            <a:r>
+              <a:rPr lang="en-US" sz="1200" dirty="0" err="1">
+                <a:solidFill>
+                  <a:srgbClr val="7030A0"/>
+                </a:solidFill>
+              </a:rPr>
+              <a:t>ul#belongings</a:t>
+            </a:r>
             <a:r>
               <a:rPr lang="en-US" sz="1200" dirty="0">
                 <a:solidFill>
                   <a:srgbClr val="7030A0"/>
                 </a:solidFill>
               </a:rPr>
-              <a:t>body #belongings li </a:t>
+              <a:t> </a:t>
             </a:r>
             <a:r>
               <a:rPr lang="en-US" sz="1200" dirty="0"/>
@@ -11863,25 +11986,11 @@
           <a:p>
             <a:r>
               <a:rPr lang="en-US" sz="1200" dirty="0"/>
-              <a:t>  </a:t>
+              <a:t>   </a:t>
             </a:r>
             <a:r>
               <a:rPr lang="en-US" sz="1200" dirty="0" err="1"/>
-              <a:t>font-style:italic</a:t>
-            </a:r>
-            <a:r>
-              <a:rPr lang="en-US" sz="1200" dirty="0"/>
-              <a:t>;</a:t>
-            </a:r>
-          </a:p>
-          <a:p>
-            <a:r>
-              <a:rPr lang="en-US" sz="1200" dirty="0"/>
-              <a:t>  </a:t>
-            </a:r>
-            <a:r>
-              <a:rPr lang="en-US" sz="1200" dirty="0" err="1"/>
-              <a:t>color:green</a:t>
+              <a:t>background-color:green</a:t>
             </a:r>
             <a:r>
               <a:rPr lang="en-US" sz="1200" dirty="0"/>
@@ -11904,33 +12013,17 @@
                   <a:srgbClr val="00B0F0"/>
                 </a:solidFill>
               </a:rPr>
-              <a:t>/* &lt;li&gt; under &lt;</a:t>
-            </a:r>
-            <a:r>
-              <a:rPr lang="en-US" sz="1200" dirty="0" err="1">
-                <a:solidFill>
-                  <a:srgbClr val="00B0F0"/>
-                </a:solidFill>
-              </a:rPr>
-              <a:t>ol</a:t>
-            </a:r>
+              <a:t>/* &lt;li&gt; with class="high-priority" and a data-note="Expires 2020-01-01"</a:t>
+            </a:r>
+          </a:p>
+          <a:p>
             <a:r>
               <a:rPr lang="en-US" sz="1200" dirty="0">
                 <a:solidFill>
                   <a:srgbClr val="00B0F0"/>
                 </a:solidFill>
               </a:rPr>
-              <a:t>&gt;</a:t>
-            </a:r>
-          </a:p>
-          <a:p>
-            <a:r>
-              <a:rPr lang="en-US" sz="1200" dirty="0">
-                <a:solidFill>
-                  <a:srgbClr val="00B0F0"/>
-                </a:solidFill>
-              </a:rPr>
-              <a:t>     which happens to be Notify family of departure, Lock the house door, Call taxi */</a:t>
+              <a:t>     which happens to be Passport */</a:t>
             </a:r>
           </a:p>
           <a:p>
@@ -11940,7 +12033,7 @@
                   <a:srgbClr val="7030A0"/>
                 </a:solidFill>
               </a:rPr>
-              <a:t>ol</a:t>
+              <a:t>li.high</a:t>
             </a:r>
             <a:r>
               <a:rPr lang="en-US" sz="1200" dirty="0">
@@ -11948,7 +12041,7 @@
                   <a:srgbClr val="7030A0"/>
                 </a:solidFill>
               </a:rPr>
-              <a:t> li </a:t>
+              <a:t>-priority[data-note="Expires 2020-01-01"] </a:t>
             </a:r>
             <a:r>
               <a:rPr lang="en-US" sz="1200" dirty="0"/>
@@ -11958,7 +12051,7 @@
           <a:p>
             <a:r>
               <a:rPr lang="en-US" sz="1200" dirty="0"/>
-              <a:t>    </a:t>
+              <a:t>   </a:t>
             </a:r>
             <a:r>
               <a:rPr lang="en-US" sz="1200" dirty="0" err="1"/>
@@ -11976,6 +12069,9 @@
             </a:r>
             <a:endParaRPr lang="en-CA" sz="1200" dirty="0"/>
           </a:p>
+          <a:p>
+            <a:endParaRPr lang="en-CA" sz="1200" dirty="0"/>
+          </a:p>
         </p:txBody>
       </p:sp>
       <p:sp>
@@ -11983,7 +12079,7 @@
           <p:cNvPr id="2" name="TextBox 1">
             <a:extLst>
               <a:ext uri="{FF2B5EF4-FFF2-40B4-BE49-F238E27FC236}">
-                <a16:creationId xmlns:a16="http://schemas.microsoft.com/office/drawing/2014/main" id="{E25DC948-5B42-4C6B-3B79-F5672CD14F96}"/>
+                <a16:creationId xmlns:a16="http://schemas.microsoft.com/office/drawing/2014/main" id="{4B74E2B8-5CB4-BBDE-EFBA-432E9B845E2D}"/>
               </a:ext>
             </a:extLst>
           </p:cNvPr>
@@ -12008,7 +12104,7 @@
           <a:p>
             <a:r>
               <a:rPr lang="en-US" b="1" dirty="0"/>
-              <a:t>See 05-example.html</a:t>
+              <a:t>See 06-example.html</a:t>
             </a:r>
           </a:p>
         </p:txBody>
@@ -12016,7 +12112,7 @@
     </p:spTree>
     <p:extLst>
       <p:ext uri="{BB962C8B-B14F-4D97-AF65-F5344CB8AC3E}">
-        <p14:creationId xmlns:p14="http://schemas.microsoft.com/office/powerpoint/2010/main" val="72527101"/>
+        <p14:creationId xmlns:p14="http://schemas.microsoft.com/office/powerpoint/2010/main" val="2403969353"/>
       </p:ext>
     </p:extLst>
   </p:cSld>
